--- a/Project_Presentation/Project_Presentation.pptx
+++ b/Project_Presentation/Project_Presentation.pptx
@@ -9,7 +9,7 @@
   </p:notesMasterIdLst>
   <p:sldIdLst>
     <p:sldId id="256" r:id="rId2"/>
-    <p:sldId id="257" r:id="rId3"/>
+    <p:sldId id="286" r:id="rId3"/>
     <p:sldId id="258" r:id="rId4"/>
     <p:sldId id="271" r:id="rId5"/>
     <p:sldId id="272" r:id="rId6"/>
@@ -2009,6 +2009,11 @@
         </p:txBody>
       </p:sp>
     </p:spTree>
+    <p:extLst>
+      <p:ext uri="{BB962C8B-B14F-4D97-AF65-F5344CB8AC3E}">
+        <p14:creationId xmlns:p14="http://schemas.microsoft.com/office/powerpoint/2010/main" val="3738973378"/>
+      </p:ext>
+    </p:extLst>
   </p:cSld>
   <p:clrMapOvr>
     <a:masterClrMapping/>
@@ -27692,6 +27697,102 @@
               </a:rPr>
               <a:t> Forecasting</a:t>
             </a:r>
+          </a:p>
+        </p:txBody>
+      </p:sp>
+      <p:sp>
+        <p:nvSpPr>
+          <p:cNvPr id="2" name="TextBox 1">
+            <a:extLst>
+              <a:ext uri="{FF2B5EF4-FFF2-40B4-BE49-F238E27FC236}">
+                <a16:creationId xmlns:a16="http://schemas.microsoft.com/office/drawing/2014/main" id="{FD794396-34B8-A2E3-AA9E-2E9AEC7E1412}"/>
+              </a:ext>
+            </a:extLst>
+          </p:cNvPr>
+          <p:cNvSpPr txBox="1"/>
+          <p:nvPr/>
+        </p:nvSpPr>
+        <p:spPr>
+          <a:xfrm>
+            <a:off x="746760" y="3817620"/>
+            <a:ext cx="2811780" cy="1200329"/>
+          </a:xfrm>
+          <a:prstGeom prst="rect">
+            <a:avLst/>
+          </a:prstGeom>
+          <a:noFill/>
+        </p:spPr>
+        <p:txBody>
+          <a:bodyPr wrap="square" rtlCol="0">
+            <a:spAutoFit/>
+          </a:bodyPr>
+          <a:lstStyle/>
+          <a:p>
+            <a:r>
+              <a:rPr lang="en-US" sz="1800" dirty="0">
+                <a:solidFill>
+                  <a:schemeClr val="lt1"/>
+                </a:solidFill>
+                <a:latin typeface="Barlow Condensed"/>
+              </a:rPr>
+              <a:t>Zachary Corbett</a:t>
+            </a:r>
+          </a:p>
+          <a:p>
+            <a:r>
+              <a:rPr lang="en-US" sz="1800" dirty="0">
+                <a:solidFill>
+                  <a:schemeClr val="lt1"/>
+                </a:solidFill>
+                <a:latin typeface="Barlow Condensed"/>
+              </a:rPr>
+              <a:t>Victor </a:t>
+            </a:r>
+            <a:r>
+              <a:rPr lang="en-US" sz="1800" dirty="0" err="1">
+                <a:solidFill>
+                  <a:schemeClr val="lt1"/>
+                </a:solidFill>
+                <a:latin typeface="Barlow Condensed"/>
+                <a:sym typeface="Barlow Condensed"/>
+              </a:rPr>
+              <a:t>Dontsov</a:t>
+            </a:r>
+            <a:endParaRPr lang="en-US" sz="1800" dirty="0">
+              <a:solidFill>
+                <a:schemeClr val="lt1"/>
+              </a:solidFill>
+              <a:latin typeface="Barlow Condensed"/>
+              <a:sym typeface="Barlow Condensed"/>
+            </a:endParaRPr>
+          </a:p>
+          <a:p>
+            <a:r>
+              <a:rPr lang="en-US" sz="1800" dirty="0">
+                <a:solidFill>
+                  <a:schemeClr val="lt1"/>
+                </a:solidFill>
+                <a:latin typeface="Barlow Condensed"/>
+              </a:rPr>
+              <a:t>Sara Parveen</a:t>
+            </a:r>
+          </a:p>
+          <a:p>
+            <a:r>
+              <a:rPr lang="en-US" sz="1800" dirty="0">
+                <a:solidFill>
+                  <a:schemeClr val="lt1"/>
+                </a:solidFill>
+                <a:latin typeface="Barlow Condensed"/>
+              </a:rPr>
+              <a:t>Set </a:t>
+            </a:r>
+            <a:endParaRPr lang="en-CA" sz="1800" dirty="0">
+              <a:solidFill>
+                <a:schemeClr val="lt1"/>
+              </a:solidFill>
+              <a:latin typeface="Barlow Condensed"/>
+            </a:endParaRPr>
           </a:p>
         </p:txBody>
       </p:sp>
@@ -32122,6 +32223,11 @@
         </p:txBody>
       </p:sp>
     </p:spTree>
+    <p:extLst>
+      <p:ext uri="{BB962C8B-B14F-4D97-AF65-F5344CB8AC3E}">
+        <p14:creationId xmlns:p14="http://schemas.microsoft.com/office/powerpoint/2010/main" val="237725846"/>
+      </p:ext>
+    </p:extLst>
   </p:cSld>
   <p:clrMapOvr>
     <a:masterClrMapping/>
@@ -32405,56 +32511,366 @@
       </p:sp>
       <p:sp>
         <p:nvSpPr>
-          <p:cNvPr id="711" name="Google Shape;711;p27"/>
+          <p:cNvPr id="4" name="Google Shape;711;p27">
+            <a:extLst>
+              <a:ext uri="{FF2B5EF4-FFF2-40B4-BE49-F238E27FC236}">
+                <a16:creationId xmlns:a16="http://schemas.microsoft.com/office/drawing/2014/main" id="{09E2BA54-0B2C-3A13-60B9-9FA3D0CC8EF7}"/>
+              </a:ext>
+            </a:extLst>
+          </p:cNvPr>
           <p:cNvSpPr txBox="1">
-            <a:spLocks noGrp="1"/>
+            <a:spLocks/>
           </p:cNvSpPr>
-          <p:nvPr>
-            <p:ph type="subTitle" idx="1"/>
-          </p:nvPr>
+          <p:nvPr/>
         </p:nvSpPr>
         <p:spPr>
           <a:xfrm>
-            <a:off x="261122" y="1904711"/>
-            <a:ext cx="4446600" cy="2040300"/>
+            <a:off x="261122" y="1805651"/>
+            <a:ext cx="4912858" cy="2040300"/>
           </a:xfrm>
           <a:prstGeom prst="rect">
             <a:avLst/>
           </a:prstGeom>
+          <a:noFill/>
+          <a:ln>
+            <a:noFill/>
+          </a:ln>
         </p:spPr>
         <p:txBody>
           <a:bodyPr spcFirstLastPara="1" wrap="square" lIns="91425" tIns="91425" rIns="91425" bIns="91425" anchor="t" anchorCtr="0">
             <a:noAutofit/>
           </a:bodyPr>
-          <a:lstStyle/>
+          <a:lstStyle>
+            <a:defPPr marR="0" lvl="0" algn="l" rtl="0">
+              <a:lnSpc>
+                <a:spcPct val="100000"/>
+              </a:lnSpc>
+              <a:spcBef>
+                <a:spcPts val="0"/>
+              </a:spcBef>
+              <a:spcAft>
+                <a:spcPts val="0"/>
+              </a:spcAft>
+            </a:defPPr>
+            <a:lvl1pPr marL="457200" marR="0" lvl="0" indent="-342900" algn="l" rtl="0">
+              <a:lnSpc>
+                <a:spcPct val="100000"/>
+              </a:lnSpc>
+              <a:spcBef>
+                <a:spcPts val="0"/>
+              </a:spcBef>
+              <a:spcAft>
+                <a:spcPts val="0"/>
+              </a:spcAft>
+              <a:buClr>
+                <a:schemeClr val="lt1"/>
+              </a:buClr>
+              <a:buSzPts val="1400"/>
+              <a:buFont typeface="Arvo"/>
+              <a:buNone/>
+              <a:defRPr sz="1400" b="0" i="0" u="none" strike="noStrike" cap="none">
+                <a:solidFill>
+                  <a:schemeClr val="lt1"/>
+                </a:solidFill>
+                <a:latin typeface="Arvo"/>
+                <a:ea typeface="Arvo"/>
+                <a:cs typeface="Arvo"/>
+                <a:sym typeface="Arvo"/>
+              </a:defRPr>
+            </a:lvl1pPr>
+            <a:lvl2pPr marL="914400" marR="0" lvl="1" indent="-317500" algn="l" rtl="0">
+              <a:lnSpc>
+                <a:spcPct val="100000"/>
+              </a:lnSpc>
+              <a:spcBef>
+                <a:spcPts val="0"/>
+              </a:spcBef>
+              <a:spcAft>
+                <a:spcPts val="0"/>
+              </a:spcAft>
+              <a:buClr>
+                <a:schemeClr val="lt1"/>
+              </a:buClr>
+              <a:buSzPts val="1400"/>
+              <a:buFont typeface="Arvo"/>
+              <a:buNone/>
+              <a:defRPr sz="1400" b="0" i="0" u="none" strike="noStrike" cap="none">
+                <a:solidFill>
+                  <a:schemeClr val="lt1"/>
+                </a:solidFill>
+                <a:latin typeface="Arvo"/>
+                <a:ea typeface="Arvo"/>
+                <a:cs typeface="Arvo"/>
+                <a:sym typeface="Arvo"/>
+              </a:defRPr>
+            </a:lvl2pPr>
+            <a:lvl3pPr marL="1371600" marR="0" lvl="2" indent="-317500" algn="l" rtl="0">
+              <a:lnSpc>
+                <a:spcPct val="100000"/>
+              </a:lnSpc>
+              <a:spcBef>
+                <a:spcPts val="0"/>
+              </a:spcBef>
+              <a:spcAft>
+                <a:spcPts val="0"/>
+              </a:spcAft>
+              <a:buClr>
+                <a:schemeClr val="lt1"/>
+              </a:buClr>
+              <a:buSzPts val="1400"/>
+              <a:buFont typeface="Arvo"/>
+              <a:buNone/>
+              <a:defRPr sz="1400" b="0" i="0" u="none" strike="noStrike" cap="none">
+                <a:solidFill>
+                  <a:schemeClr val="lt1"/>
+                </a:solidFill>
+                <a:latin typeface="Arvo"/>
+                <a:ea typeface="Arvo"/>
+                <a:cs typeface="Arvo"/>
+                <a:sym typeface="Arvo"/>
+              </a:defRPr>
+            </a:lvl3pPr>
+            <a:lvl4pPr marL="1828800" marR="0" lvl="3" indent="-317500" algn="l" rtl="0">
+              <a:lnSpc>
+                <a:spcPct val="100000"/>
+              </a:lnSpc>
+              <a:spcBef>
+                <a:spcPts val="0"/>
+              </a:spcBef>
+              <a:spcAft>
+                <a:spcPts val="0"/>
+              </a:spcAft>
+              <a:buClr>
+                <a:schemeClr val="lt1"/>
+              </a:buClr>
+              <a:buSzPts val="1400"/>
+              <a:buFont typeface="Arvo"/>
+              <a:buNone/>
+              <a:defRPr sz="1400" b="0" i="0" u="none" strike="noStrike" cap="none">
+                <a:solidFill>
+                  <a:schemeClr val="lt1"/>
+                </a:solidFill>
+                <a:latin typeface="Arvo"/>
+                <a:ea typeface="Arvo"/>
+                <a:cs typeface="Arvo"/>
+                <a:sym typeface="Arvo"/>
+              </a:defRPr>
+            </a:lvl4pPr>
+            <a:lvl5pPr marL="2286000" marR="0" lvl="4" indent="-317500" algn="l" rtl="0">
+              <a:lnSpc>
+                <a:spcPct val="100000"/>
+              </a:lnSpc>
+              <a:spcBef>
+                <a:spcPts val="0"/>
+              </a:spcBef>
+              <a:spcAft>
+                <a:spcPts val="0"/>
+              </a:spcAft>
+              <a:buClr>
+                <a:schemeClr val="lt1"/>
+              </a:buClr>
+              <a:buSzPts val="1400"/>
+              <a:buFont typeface="Arvo"/>
+              <a:buNone/>
+              <a:defRPr sz="1400" b="0" i="0" u="none" strike="noStrike" cap="none">
+                <a:solidFill>
+                  <a:schemeClr val="lt1"/>
+                </a:solidFill>
+                <a:latin typeface="Arvo"/>
+                <a:ea typeface="Arvo"/>
+                <a:cs typeface="Arvo"/>
+                <a:sym typeface="Arvo"/>
+              </a:defRPr>
+            </a:lvl5pPr>
+            <a:lvl6pPr marL="2743200" marR="0" lvl="5" indent="-317500" algn="l" rtl="0">
+              <a:lnSpc>
+                <a:spcPct val="100000"/>
+              </a:lnSpc>
+              <a:spcBef>
+                <a:spcPts val="0"/>
+              </a:spcBef>
+              <a:spcAft>
+                <a:spcPts val="0"/>
+              </a:spcAft>
+              <a:buClr>
+                <a:schemeClr val="lt1"/>
+              </a:buClr>
+              <a:buSzPts val="1400"/>
+              <a:buFont typeface="Arvo"/>
+              <a:buNone/>
+              <a:defRPr sz="1400" b="0" i="0" u="none" strike="noStrike" cap="none">
+                <a:solidFill>
+                  <a:schemeClr val="lt1"/>
+                </a:solidFill>
+                <a:latin typeface="Arvo"/>
+                <a:ea typeface="Arvo"/>
+                <a:cs typeface="Arvo"/>
+                <a:sym typeface="Arvo"/>
+              </a:defRPr>
+            </a:lvl6pPr>
+            <a:lvl7pPr marL="3200400" marR="0" lvl="6" indent="-317500" algn="l" rtl="0">
+              <a:lnSpc>
+                <a:spcPct val="100000"/>
+              </a:lnSpc>
+              <a:spcBef>
+                <a:spcPts val="0"/>
+              </a:spcBef>
+              <a:spcAft>
+                <a:spcPts val="0"/>
+              </a:spcAft>
+              <a:buClr>
+                <a:schemeClr val="lt1"/>
+              </a:buClr>
+              <a:buSzPts val="1400"/>
+              <a:buFont typeface="Arvo"/>
+              <a:buNone/>
+              <a:defRPr sz="1400" b="0" i="0" u="none" strike="noStrike" cap="none">
+                <a:solidFill>
+                  <a:schemeClr val="lt1"/>
+                </a:solidFill>
+                <a:latin typeface="Arvo"/>
+                <a:ea typeface="Arvo"/>
+                <a:cs typeface="Arvo"/>
+                <a:sym typeface="Arvo"/>
+              </a:defRPr>
+            </a:lvl7pPr>
+            <a:lvl8pPr marL="3657600" marR="0" lvl="7" indent="-317500" algn="l" rtl="0">
+              <a:lnSpc>
+                <a:spcPct val="100000"/>
+              </a:lnSpc>
+              <a:spcBef>
+                <a:spcPts val="0"/>
+              </a:spcBef>
+              <a:spcAft>
+                <a:spcPts val="0"/>
+              </a:spcAft>
+              <a:buClr>
+                <a:schemeClr val="lt1"/>
+              </a:buClr>
+              <a:buSzPts val="1400"/>
+              <a:buFont typeface="Arvo"/>
+              <a:buNone/>
+              <a:defRPr sz="1400" b="0" i="0" u="none" strike="noStrike" cap="none">
+                <a:solidFill>
+                  <a:schemeClr val="lt1"/>
+                </a:solidFill>
+                <a:latin typeface="Arvo"/>
+                <a:ea typeface="Arvo"/>
+                <a:cs typeface="Arvo"/>
+                <a:sym typeface="Arvo"/>
+              </a:defRPr>
+            </a:lvl8pPr>
+            <a:lvl9pPr marL="4114800" marR="0" lvl="8" indent="-317500" algn="l" rtl="0">
+              <a:lnSpc>
+                <a:spcPct val="100000"/>
+              </a:lnSpc>
+              <a:spcBef>
+                <a:spcPts val="0"/>
+              </a:spcBef>
+              <a:spcAft>
+                <a:spcPts val="0"/>
+              </a:spcAft>
+              <a:buClr>
+                <a:schemeClr val="lt1"/>
+              </a:buClr>
+              <a:buSzPts val="1400"/>
+              <a:buFont typeface="Arvo"/>
+              <a:buNone/>
+              <a:defRPr sz="1400" b="0" i="0" u="none" strike="noStrike" cap="none">
+                <a:solidFill>
+                  <a:schemeClr val="lt1"/>
+                </a:solidFill>
+                <a:latin typeface="Arvo"/>
+                <a:ea typeface="Arvo"/>
+                <a:cs typeface="Arvo"/>
+                <a:sym typeface="Arvo"/>
+              </a:defRPr>
+            </a:lvl9pPr>
+          </a:lstStyle>
           <a:p>
-            <a:pPr marL="0" lvl="0" indent="0" algn="l" rtl="0">
+            <a:pPr marL="0" indent="0">
               <a:spcBef>
                 <a:spcPts val="300"/>
               </a:spcBef>
-              <a:spcAft>
-                <a:spcPts val="0"/>
-              </a:spcAft>
             </a:pPr>
             <a:r>
               <a:rPr lang="en-US" sz="1800" dirty="0">
                 <a:latin typeface="Barlow Condensed"/>
               </a:rPr>
-              <a:t>*</a:t>
+              <a:t>* Sales predictions show a slight decline in sales in the next year for overall sales but stable sales for some categories.</a:t>
             </a:r>
+          </a:p>
+          <a:p>
+            <a:pPr marL="0" indent="0">
+              <a:spcBef>
+                <a:spcPts val="300"/>
+              </a:spcBef>
+            </a:pPr>
+            <a:endParaRPr lang="en-US" sz="1800" dirty="0">
+              <a:latin typeface="Barlow Condensed"/>
+            </a:endParaRPr>
+          </a:p>
+          <a:p>
+            <a:pPr marL="0" indent="0">
+              <a:spcBef>
+                <a:spcPts val="300"/>
+              </a:spcBef>
+            </a:pPr>
+            <a:r>
+              <a:rPr lang="en-US" sz="1800" dirty="0">
+                <a:latin typeface="Barlow Condensed"/>
+              </a:rPr>
+              <a:t>* Sales predictions are helpful but other models using special dimensions of warehouse, and budget constraints could help make more applicable predictions.</a:t>
+            </a:r>
+          </a:p>
+          <a:p>
+            <a:pPr marL="0" indent="0">
+              <a:spcBef>
+                <a:spcPts val="300"/>
+              </a:spcBef>
+            </a:pPr>
+            <a:endParaRPr lang="en-US" sz="1800" dirty="0">
+              <a:latin typeface="Barlow Condensed"/>
+            </a:endParaRPr>
+          </a:p>
+          <a:p>
+            <a:pPr marL="0" indent="0">
+              <a:spcBef>
+                <a:spcPts val="300"/>
+              </a:spcBef>
+            </a:pPr>
+            <a:r>
+              <a:rPr lang="en-US" sz="1800" dirty="0">
+                <a:latin typeface="Barlow Condensed"/>
+              </a:rPr>
+              <a:t>* Margin Error increases for further time period. This make it more appropriate for Just-In-Time distributor.</a:t>
+            </a:r>
+          </a:p>
+          <a:p>
+            <a:pPr marL="0" indent="0">
+              <a:spcBef>
+                <a:spcPts val="300"/>
+              </a:spcBef>
+            </a:pPr>
+            <a:endParaRPr lang="en-US" sz="1800" dirty="0">
+              <a:latin typeface="Barlow Condensed"/>
+            </a:endParaRPr>
+          </a:p>
+          <a:p>
+            <a:pPr marL="0" indent="0">
+              <a:spcBef>
+                <a:spcPts val="300"/>
+              </a:spcBef>
+            </a:pPr>
             <a:endParaRPr lang="en-US" dirty="0"/>
           </a:p>
           <a:p>
-            <a:pPr marL="0" lvl="0" indent="0" algn="l" rtl="0">
+            <a:pPr marL="0" indent="0">
               <a:spcBef>
                 <a:spcPts val="300"/>
               </a:spcBef>
-              <a:spcAft>
-                <a:spcPts val="0"/>
-              </a:spcAft>
-              <a:buNone/>
             </a:pPr>
-            <a:endParaRPr dirty="0"/>
+            <a:endParaRPr lang="en-US" dirty="0"/>
           </a:p>
         </p:txBody>
       </p:sp>
@@ -33180,7 +33596,7 @@
         </p:nvSpPr>
         <p:spPr>
           <a:xfrm>
-            <a:off x="4308049" y="2067485"/>
+            <a:off x="5092909" y="2037005"/>
             <a:ext cx="3294300" cy="577800"/>
           </a:xfrm>
           <a:prstGeom prst="rect">

--- a/Project_Presentation/Project_Presentation.pptx
+++ b/Project_Presentation/Project_Presentation.pptx
@@ -14,8 +14,8 @@
     <p:sldId id="271" r:id="rId5"/>
     <p:sldId id="272" r:id="rId6"/>
     <p:sldId id="273" r:id="rId7"/>
-    <p:sldId id="259" r:id="rId8"/>
-    <p:sldId id="274" r:id="rId9"/>
+    <p:sldId id="274" r:id="rId8"/>
+    <p:sldId id="259" r:id="rId9"/>
     <p:sldId id="260" r:id="rId10"/>
     <p:sldId id="275" r:id="rId11"/>
     <p:sldId id="279" r:id="rId12"/>
@@ -2883,6 +2883,115 @@
   <p:cSld>
     <p:spTree>
       <p:nvGrpSpPr>
+        <p:cNvPr id="1" name="Shape 360"/>
+        <p:cNvGrpSpPr/>
+        <p:nvPr/>
+      </p:nvGrpSpPr>
+      <p:grpSpPr>
+        <a:xfrm>
+          <a:off x="0" y="0"/>
+          <a:ext cx="0" cy="0"/>
+          <a:chOff x="0" y="0"/>
+          <a:chExt cx="0" cy="0"/>
+        </a:xfrm>
+      </p:grpSpPr>
+      <p:sp>
+        <p:nvSpPr>
+          <p:cNvPr id="361" name="Google Shape;361;g55d2cabac8_1_10:notes"/>
+          <p:cNvSpPr>
+            <a:spLocks noGrp="1" noRot="1" noChangeAspect="1"/>
+          </p:cNvSpPr>
+          <p:nvPr>
+            <p:ph type="sldImg" idx="2"/>
+          </p:nvPr>
+        </p:nvSpPr>
+        <p:spPr>
+          <a:xfrm>
+            <a:off x="381000" y="685800"/>
+            <a:ext cx="6096000" cy="3429000"/>
+          </a:xfrm>
+          <a:custGeom>
+            <a:avLst/>
+            <a:gdLst/>
+            <a:ahLst/>
+            <a:cxnLst/>
+            <a:rect l="l" t="t" r="r" b="b"/>
+            <a:pathLst>
+              <a:path w="120000" h="120000" extrusionOk="0">
+                <a:moveTo>
+                  <a:pt x="0" y="0"/>
+                </a:moveTo>
+                <a:lnTo>
+                  <a:pt x="120000" y="0"/>
+                </a:lnTo>
+                <a:lnTo>
+                  <a:pt x="120000" y="120000"/>
+                </a:lnTo>
+                <a:lnTo>
+                  <a:pt x="0" y="120000"/>
+                </a:lnTo>
+                <a:close/>
+              </a:path>
+            </a:pathLst>
+          </a:custGeom>
+        </p:spPr>
+      </p:sp>
+      <p:sp>
+        <p:nvSpPr>
+          <p:cNvPr id="362" name="Google Shape;362;g55d2cabac8_1_10:notes"/>
+          <p:cNvSpPr txBox="1">
+            <a:spLocks noGrp="1"/>
+          </p:cNvSpPr>
+          <p:nvPr>
+            <p:ph type="body" idx="1"/>
+          </p:nvPr>
+        </p:nvSpPr>
+        <p:spPr>
+          <a:xfrm>
+            <a:off x="685800" y="4343400"/>
+            <a:ext cx="5486400" cy="4114800"/>
+          </a:xfrm>
+          <a:prstGeom prst="rect">
+            <a:avLst/>
+          </a:prstGeom>
+        </p:spPr>
+        <p:txBody>
+          <a:bodyPr spcFirstLastPara="1" wrap="square" lIns="91425" tIns="91425" rIns="91425" bIns="91425" anchor="t" anchorCtr="0">
+            <a:noAutofit/>
+          </a:bodyPr>
+          <a:lstStyle/>
+          <a:p>
+            <a:pPr marL="0" lvl="0" indent="0" algn="l" rtl="0">
+              <a:spcBef>
+                <a:spcPts val="0"/>
+              </a:spcBef>
+              <a:spcAft>
+                <a:spcPts val="0"/>
+              </a:spcAft>
+              <a:buNone/>
+            </a:pPr>
+            <a:endParaRPr/>
+          </a:p>
+        </p:txBody>
+      </p:sp>
+    </p:spTree>
+    <p:extLst>
+      <p:ext uri="{BB962C8B-B14F-4D97-AF65-F5344CB8AC3E}">
+        <p14:creationId xmlns:p14="http://schemas.microsoft.com/office/powerpoint/2010/main" val="3300184548"/>
+      </p:ext>
+    </p:extLst>
+  </p:cSld>
+  <p:clrMapOvr>
+    <a:masterClrMapping/>
+  </p:clrMapOvr>
+</p:notes>
+</file>
+
+<file path=ppt/notesSlides/notesSlide8.xml><?xml version="1.0" encoding="utf-8"?>
+<p:notes xmlns:a="http://schemas.openxmlformats.org/drawingml/2006/main" xmlns:r="http://schemas.openxmlformats.org/officeDocument/2006/relationships" xmlns:p="http://schemas.openxmlformats.org/presentationml/2006/main" showMasterSp="0" showMasterPhAnim="0">
+  <p:cSld>
+    <p:spTree>
+      <p:nvGrpSpPr>
         <p:cNvPr id="1" name="Shape 366"/>
         <p:cNvGrpSpPr/>
         <p:nvPr/>
@@ -2975,115 +3084,6 @@
         </p:txBody>
       </p:sp>
     </p:spTree>
-  </p:cSld>
-  <p:clrMapOvr>
-    <a:masterClrMapping/>
-  </p:clrMapOvr>
-</p:notes>
-</file>
-
-<file path=ppt/notesSlides/notesSlide8.xml><?xml version="1.0" encoding="utf-8"?>
-<p:notes xmlns:a="http://schemas.openxmlformats.org/drawingml/2006/main" xmlns:r="http://schemas.openxmlformats.org/officeDocument/2006/relationships" xmlns:p="http://schemas.openxmlformats.org/presentationml/2006/main" showMasterSp="0" showMasterPhAnim="0">
-  <p:cSld>
-    <p:spTree>
-      <p:nvGrpSpPr>
-        <p:cNvPr id="1" name="Shape 360"/>
-        <p:cNvGrpSpPr/>
-        <p:nvPr/>
-      </p:nvGrpSpPr>
-      <p:grpSpPr>
-        <a:xfrm>
-          <a:off x="0" y="0"/>
-          <a:ext cx="0" cy="0"/>
-          <a:chOff x="0" y="0"/>
-          <a:chExt cx="0" cy="0"/>
-        </a:xfrm>
-      </p:grpSpPr>
-      <p:sp>
-        <p:nvSpPr>
-          <p:cNvPr id="361" name="Google Shape;361;g55d2cabac8_1_10:notes"/>
-          <p:cNvSpPr>
-            <a:spLocks noGrp="1" noRot="1" noChangeAspect="1"/>
-          </p:cNvSpPr>
-          <p:nvPr>
-            <p:ph type="sldImg" idx="2"/>
-          </p:nvPr>
-        </p:nvSpPr>
-        <p:spPr>
-          <a:xfrm>
-            <a:off x="381000" y="685800"/>
-            <a:ext cx="6096000" cy="3429000"/>
-          </a:xfrm>
-          <a:custGeom>
-            <a:avLst/>
-            <a:gdLst/>
-            <a:ahLst/>
-            <a:cxnLst/>
-            <a:rect l="l" t="t" r="r" b="b"/>
-            <a:pathLst>
-              <a:path w="120000" h="120000" extrusionOk="0">
-                <a:moveTo>
-                  <a:pt x="0" y="0"/>
-                </a:moveTo>
-                <a:lnTo>
-                  <a:pt x="120000" y="0"/>
-                </a:lnTo>
-                <a:lnTo>
-                  <a:pt x="120000" y="120000"/>
-                </a:lnTo>
-                <a:lnTo>
-                  <a:pt x="0" y="120000"/>
-                </a:lnTo>
-                <a:close/>
-              </a:path>
-            </a:pathLst>
-          </a:custGeom>
-        </p:spPr>
-      </p:sp>
-      <p:sp>
-        <p:nvSpPr>
-          <p:cNvPr id="362" name="Google Shape;362;g55d2cabac8_1_10:notes"/>
-          <p:cNvSpPr txBox="1">
-            <a:spLocks noGrp="1"/>
-          </p:cNvSpPr>
-          <p:nvPr>
-            <p:ph type="body" idx="1"/>
-          </p:nvPr>
-        </p:nvSpPr>
-        <p:spPr>
-          <a:xfrm>
-            <a:off x="685800" y="4343400"/>
-            <a:ext cx="5486400" cy="4114800"/>
-          </a:xfrm>
-          <a:prstGeom prst="rect">
-            <a:avLst/>
-          </a:prstGeom>
-        </p:spPr>
-        <p:txBody>
-          <a:bodyPr spcFirstLastPara="1" wrap="square" lIns="91425" tIns="91425" rIns="91425" bIns="91425" anchor="t" anchorCtr="0">
-            <a:noAutofit/>
-          </a:bodyPr>
-          <a:lstStyle/>
-          <a:p>
-            <a:pPr marL="0" lvl="0" indent="0" algn="l" rtl="0">
-              <a:spcBef>
-                <a:spcPts val="0"/>
-              </a:spcBef>
-              <a:spcAft>
-                <a:spcPts val="0"/>
-              </a:spcAft>
-              <a:buNone/>
-            </a:pPr>
-            <a:endParaRPr/>
-          </a:p>
-        </p:txBody>
-      </p:sp>
-    </p:spTree>
-    <p:extLst>
-      <p:ext uri="{BB962C8B-B14F-4D97-AF65-F5344CB8AC3E}">
-        <p14:creationId xmlns:p14="http://schemas.microsoft.com/office/powerpoint/2010/main" val="3300184548"/>
-      </p:ext>
-    </p:extLst>
   </p:cSld>
   <p:clrMapOvr>
     <a:masterClrMapping/>
@@ -32525,7 +32525,7 @@
         </p:nvSpPr>
         <p:spPr>
           <a:xfrm>
-            <a:off x="261122" y="1805651"/>
+            <a:off x="171068" y="1262700"/>
             <a:ext cx="4912858" cy="2040300"/>
           </a:xfrm>
           <a:prstGeom prst="rect">
@@ -32797,7 +32797,7 @@
               <a:rPr lang="en-US" sz="1800" dirty="0">
                 <a:latin typeface="Barlow Condensed"/>
               </a:rPr>
-              <a:t>* Sales predictions show a slight decline in sales in the next year for overall sales but stable sales for some categories.</a:t>
+              <a:t>* Predictions show a slight decline in sales volume in the next year for overall sales but stable sales for some categories.</a:t>
             </a:r>
           </a:p>
           <a:p>
@@ -32843,7 +32843,7 @@
               <a:rPr lang="en-US" sz="1800" dirty="0">
                 <a:latin typeface="Barlow Condensed"/>
               </a:rPr>
-              <a:t>* Margin Error increases for further time period. This make it more appropriate for Just-In-Time distributor.</a:t>
+              <a:t>* Margin Error increases for longer time periods. This makes it more appropriate for Just-In-Time distributor.</a:t>
             </a:r>
           </a:p>
           <a:p>
@@ -33720,6 +33720,120 @@
 </file>
 
 <file path=ppt/slides/slide7.xml><?xml version="1.0" encoding="utf-8"?>
+<p:sld xmlns:a="http://schemas.openxmlformats.org/drawingml/2006/main" xmlns:r="http://schemas.openxmlformats.org/officeDocument/2006/relationships" xmlns:p="http://schemas.openxmlformats.org/presentationml/2006/main">
+  <p:cSld>
+    <p:spTree>
+      <p:nvGrpSpPr>
+        <p:cNvPr id="1" name="Shape 363"/>
+        <p:cNvGrpSpPr/>
+        <p:nvPr/>
+      </p:nvGrpSpPr>
+      <p:grpSpPr>
+        <a:xfrm>
+          <a:off x="0" y="0"/>
+          <a:ext cx="0" cy="0"/>
+          <a:chOff x="0" y="0"/>
+          <a:chExt cx="0" cy="0"/>
+        </a:xfrm>
+      </p:grpSpPr>
+      <p:sp>
+        <p:nvSpPr>
+          <p:cNvPr id="364" name="Google Shape;364;p15"/>
+          <p:cNvSpPr txBox="1">
+            <a:spLocks noGrp="1"/>
+          </p:cNvSpPr>
+          <p:nvPr>
+            <p:ph type="ctrTitle"/>
+          </p:nvPr>
+        </p:nvSpPr>
+        <p:spPr>
+          <a:xfrm>
+            <a:off x="4308049" y="2067485"/>
+            <a:ext cx="3294300" cy="577800"/>
+          </a:xfrm>
+          <a:prstGeom prst="rect">
+            <a:avLst/>
+          </a:prstGeom>
+        </p:spPr>
+        <p:txBody>
+          <a:bodyPr spcFirstLastPara="1" wrap="square" lIns="91425" tIns="91425" rIns="91425" bIns="91425" anchor="b" anchorCtr="0">
+            <a:noAutofit/>
+          </a:bodyPr>
+          <a:lstStyle/>
+          <a:p>
+            <a:pPr marL="0" lvl="0" indent="0" algn="r" rtl="0">
+              <a:spcBef>
+                <a:spcPts val="0"/>
+              </a:spcBef>
+              <a:spcAft>
+                <a:spcPts val="0"/>
+              </a:spcAft>
+              <a:buNone/>
+            </a:pPr>
+            <a:r>
+              <a:rPr lang="es" dirty="0">
+                <a:solidFill>
+                  <a:schemeClr val="accent1">
+                    <a:lumMod val="75000"/>
+                  </a:schemeClr>
+                </a:solidFill>
+              </a:rPr>
+              <a:t>Database Creation</a:t>
+            </a:r>
+            <a:endParaRPr dirty="0">
+              <a:solidFill>
+                <a:schemeClr val="accent1">
+                  <a:lumMod val="75000"/>
+                </a:schemeClr>
+              </a:solidFill>
+            </a:endParaRPr>
+          </a:p>
+        </p:txBody>
+      </p:sp>
+      <p:pic>
+        <p:nvPicPr>
+          <p:cNvPr id="3" name="Picture 2">
+            <a:extLst>
+              <a:ext uri="{FF2B5EF4-FFF2-40B4-BE49-F238E27FC236}">
+                <a16:creationId xmlns:a16="http://schemas.microsoft.com/office/drawing/2014/main" id="{78972B88-E419-0D3A-5D07-9EF6E4EE23DF}"/>
+              </a:ext>
+            </a:extLst>
+          </p:cNvPr>
+          <p:cNvPicPr>
+            <a:picLocks noChangeAspect="1"/>
+          </p:cNvPicPr>
+          <p:nvPr/>
+        </p:nvPicPr>
+        <p:blipFill>
+          <a:blip r:embed="rId3"/>
+          <a:stretch>
+            <a:fillRect/>
+          </a:stretch>
+        </p:blipFill>
+        <p:spPr>
+          <a:xfrm>
+            <a:off x="987854" y="1063235"/>
+            <a:ext cx="3845172" cy="3545040"/>
+          </a:xfrm>
+          <a:prstGeom prst="rect">
+            <a:avLst/>
+          </a:prstGeom>
+        </p:spPr>
+      </p:pic>
+    </p:spTree>
+    <p:extLst>
+      <p:ext uri="{BB962C8B-B14F-4D97-AF65-F5344CB8AC3E}">
+        <p14:creationId xmlns:p14="http://schemas.microsoft.com/office/powerpoint/2010/main" val="2807677543"/>
+      </p:ext>
+    </p:extLst>
+  </p:cSld>
+  <p:clrMapOvr>
+    <a:masterClrMapping/>
+  </p:clrMapOvr>
+</p:sld>
+</file>
+
+<file path=ppt/slides/slide8.xml><?xml version="1.0" encoding="utf-8"?>
 <p:sld xmlns:a="http://schemas.openxmlformats.org/drawingml/2006/main" xmlns:r="http://schemas.openxmlformats.org/officeDocument/2006/relationships" xmlns:p="http://schemas.openxmlformats.org/presentationml/2006/main">
   <p:cSld>
     <p:spTree>
@@ -34900,120 +35014,6 @@
         </p:txBody>
       </p:sp>
     </p:spTree>
-  </p:cSld>
-  <p:clrMapOvr>
-    <a:masterClrMapping/>
-  </p:clrMapOvr>
-</p:sld>
-</file>
-
-<file path=ppt/slides/slide8.xml><?xml version="1.0" encoding="utf-8"?>
-<p:sld xmlns:a="http://schemas.openxmlformats.org/drawingml/2006/main" xmlns:r="http://schemas.openxmlformats.org/officeDocument/2006/relationships" xmlns:p="http://schemas.openxmlformats.org/presentationml/2006/main">
-  <p:cSld>
-    <p:spTree>
-      <p:nvGrpSpPr>
-        <p:cNvPr id="1" name="Shape 363"/>
-        <p:cNvGrpSpPr/>
-        <p:nvPr/>
-      </p:nvGrpSpPr>
-      <p:grpSpPr>
-        <a:xfrm>
-          <a:off x="0" y="0"/>
-          <a:ext cx="0" cy="0"/>
-          <a:chOff x="0" y="0"/>
-          <a:chExt cx="0" cy="0"/>
-        </a:xfrm>
-      </p:grpSpPr>
-      <p:sp>
-        <p:nvSpPr>
-          <p:cNvPr id="364" name="Google Shape;364;p15"/>
-          <p:cNvSpPr txBox="1">
-            <a:spLocks noGrp="1"/>
-          </p:cNvSpPr>
-          <p:nvPr>
-            <p:ph type="ctrTitle"/>
-          </p:nvPr>
-        </p:nvSpPr>
-        <p:spPr>
-          <a:xfrm>
-            <a:off x="4308049" y="2067485"/>
-            <a:ext cx="3294300" cy="577800"/>
-          </a:xfrm>
-          <a:prstGeom prst="rect">
-            <a:avLst/>
-          </a:prstGeom>
-        </p:spPr>
-        <p:txBody>
-          <a:bodyPr spcFirstLastPara="1" wrap="square" lIns="91425" tIns="91425" rIns="91425" bIns="91425" anchor="b" anchorCtr="0">
-            <a:noAutofit/>
-          </a:bodyPr>
-          <a:lstStyle/>
-          <a:p>
-            <a:pPr marL="0" lvl="0" indent="0" algn="r" rtl="0">
-              <a:spcBef>
-                <a:spcPts val="0"/>
-              </a:spcBef>
-              <a:spcAft>
-                <a:spcPts val="0"/>
-              </a:spcAft>
-              <a:buNone/>
-            </a:pPr>
-            <a:r>
-              <a:rPr lang="es" dirty="0">
-                <a:solidFill>
-                  <a:schemeClr val="accent1">
-                    <a:lumMod val="75000"/>
-                  </a:schemeClr>
-                </a:solidFill>
-              </a:rPr>
-              <a:t>Database Creation</a:t>
-            </a:r>
-            <a:endParaRPr dirty="0">
-              <a:solidFill>
-                <a:schemeClr val="accent1">
-                  <a:lumMod val="75000"/>
-                </a:schemeClr>
-              </a:solidFill>
-            </a:endParaRPr>
-          </a:p>
-        </p:txBody>
-      </p:sp>
-      <p:pic>
-        <p:nvPicPr>
-          <p:cNvPr id="3" name="Picture 2">
-            <a:extLst>
-              <a:ext uri="{FF2B5EF4-FFF2-40B4-BE49-F238E27FC236}">
-                <a16:creationId xmlns:a16="http://schemas.microsoft.com/office/drawing/2014/main" id="{78972B88-E419-0D3A-5D07-9EF6E4EE23DF}"/>
-              </a:ext>
-            </a:extLst>
-          </p:cNvPr>
-          <p:cNvPicPr>
-            <a:picLocks noChangeAspect="1"/>
-          </p:cNvPicPr>
-          <p:nvPr/>
-        </p:nvPicPr>
-        <p:blipFill>
-          <a:blip r:embed="rId3"/>
-          <a:stretch>
-            <a:fillRect/>
-          </a:stretch>
-        </p:blipFill>
-        <p:spPr>
-          <a:xfrm>
-            <a:off x="987854" y="1063235"/>
-            <a:ext cx="3845172" cy="3545040"/>
-          </a:xfrm>
-          <a:prstGeom prst="rect">
-            <a:avLst/>
-          </a:prstGeom>
-        </p:spPr>
-      </p:pic>
-    </p:spTree>
-    <p:extLst>
-      <p:ext uri="{BB962C8B-B14F-4D97-AF65-F5344CB8AC3E}">
-        <p14:creationId xmlns:p14="http://schemas.microsoft.com/office/powerpoint/2010/main" val="2807677543"/>
-      </p:ext>
-    </p:extLst>
   </p:cSld>
   <p:clrMapOvr>
     <a:masterClrMapping/>

--- a/Project_Presentation/Project_Presentation.pptx
+++ b/Project_Presentation/Project_Presentation.pptx
@@ -27907,8 +27907,8 @@
         </p:blipFill>
         <p:spPr>
           <a:xfrm>
-            <a:off x="278939" y="1302780"/>
-            <a:ext cx="5177049" cy="2979660"/>
+            <a:off x="278940" y="1302780"/>
+            <a:ext cx="4515076" cy="2598660"/>
           </a:xfrm>
           <a:prstGeom prst="rect">
             <a:avLst/>
@@ -28358,8 +28358,8 @@
         </p:blipFill>
         <p:spPr>
           <a:xfrm>
-            <a:off x="93519" y="2171379"/>
-            <a:ext cx="6031936" cy="2639396"/>
+            <a:off x="93519" y="2171380"/>
+            <a:ext cx="5179521" cy="2266404"/>
           </a:xfrm>
           <a:prstGeom prst="rect">
             <a:avLst/>
@@ -29314,8 +29314,8 @@
         </p:blipFill>
         <p:spPr>
           <a:xfrm>
-            <a:off x="121587" y="1380556"/>
-            <a:ext cx="6462093" cy="3329298"/>
+            <a:off x="121588" y="1380556"/>
+            <a:ext cx="5869136" cy="3023804"/>
           </a:xfrm>
           <a:prstGeom prst="rect">
             <a:avLst/>
@@ -29421,14 +29421,14 @@
           <p:nvPr>
             <p:extLst>
               <p:ext uri="{D42A27DB-BD31-4B8C-83A1-F6EECF244321}">
-                <p14:modId xmlns:p14="http://schemas.microsoft.com/office/powerpoint/2010/main" val="3264242323"/>
+                <p14:modId xmlns:p14="http://schemas.microsoft.com/office/powerpoint/2010/main" val="2481601601"/>
               </p:ext>
             </p:extLst>
           </p:nvPr>
         </p:nvGraphicFramePr>
         <p:xfrm>
           <a:off x="160020" y="1385571"/>
-          <a:ext cx="5768340" cy="3643627"/>
+          <a:ext cx="5433060" cy="3581220"/>
         </p:xfrm>
         <a:graphic>
           <a:graphicData uri="http://schemas.openxmlformats.org/drawingml/2006/table">
@@ -29437,21 +29437,21 @@
                 <a:tableStyleId>{0660B408-B3CF-4A94-85FC-2B1E0A45F4A2}</a:tableStyleId>
               </a:tblPr>
               <a:tblGrid>
-                <a:gridCol w="1922780">
+                <a:gridCol w="1811020">
                   <a:extLst>
                     <a:ext uri="{9D8B030D-6E8A-4147-A177-3AD203B41FA5}">
                       <a16:colId xmlns:a16="http://schemas.microsoft.com/office/drawing/2014/main" val="1561198163"/>
                     </a:ext>
                   </a:extLst>
                 </a:gridCol>
-                <a:gridCol w="1922780">
+                <a:gridCol w="1811020">
                   <a:extLst>
                     <a:ext uri="{9D8B030D-6E8A-4147-A177-3AD203B41FA5}">
                       <a16:colId xmlns:a16="http://schemas.microsoft.com/office/drawing/2014/main" val="1384936394"/>
                     </a:ext>
                   </a:extLst>
                 </a:gridCol>
-                <a:gridCol w="1922780">
+                <a:gridCol w="1811020">
                   <a:extLst>
                     <a:ext uri="{9D8B030D-6E8A-4147-A177-3AD203B41FA5}">
                       <a16:colId xmlns:a16="http://schemas.microsoft.com/office/drawing/2014/main" val="2485402347"/>
@@ -29459,7 +29459,7 @@
                   </a:extLst>
                 </a:gridCol>
               </a:tblGrid>
-              <a:tr h="513825">
+              <a:tr h="483737">
                 <a:tc>
                   <a:txBody>
                     <a:bodyPr/>
@@ -29571,7 +29571,7 @@
                   </a:ext>
                 </a:extLst>
               </a:tr>
-              <a:tr h="270814">
+              <a:tr h="254956">
                 <a:tc>
                   <a:txBody>
                     <a:bodyPr/>
@@ -29659,7 +29659,7 @@
                   </a:ext>
                 </a:extLst>
               </a:tr>
-              <a:tr h="270814">
+              <a:tr h="254956">
                 <a:tc>
                   <a:txBody>
                     <a:bodyPr/>
@@ -29747,7 +29747,7 @@
                   </a:ext>
                 </a:extLst>
               </a:tr>
-              <a:tr h="270814">
+              <a:tr h="254956">
                 <a:tc>
                   <a:txBody>
                     <a:bodyPr/>
@@ -29835,7 +29835,7 @@
                   </a:ext>
                 </a:extLst>
               </a:tr>
-              <a:tr h="270814">
+              <a:tr h="254956">
                 <a:tc>
                   <a:txBody>
                     <a:bodyPr/>
@@ -29923,7 +29923,7 @@
                   </a:ext>
                 </a:extLst>
               </a:tr>
-              <a:tr h="270814">
+              <a:tr h="254956">
                 <a:tc>
                   <a:txBody>
                     <a:bodyPr/>
@@ -30011,7 +30011,7 @@
                   </a:ext>
                 </a:extLst>
               </a:tr>
-              <a:tr h="270814">
+              <a:tr h="254956">
                 <a:tc>
                   <a:txBody>
                     <a:bodyPr/>
@@ -30099,7 +30099,7 @@
                   </a:ext>
                 </a:extLst>
               </a:tr>
-              <a:tr h="270814">
+              <a:tr h="254956">
                 <a:tc>
                   <a:txBody>
                     <a:bodyPr/>
@@ -30187,7 +30187,7 @@
                   </a:ext>
                 </a:extLst>
               </a:tr>
-              <a:tr h="270814">
+              <a:tr h="254956">
                 <a:tc>
                   <a:txBody>
                     <a:bodyPr/>
@@ -30275,7 +30275,7 @@
                   </a:ext>
                 </a:extLst>
               </a:tr>
-              <a:tr h="270814">
+              <a:tr h="254956">
                 <a:tc>
                   <a:txBody>
                     <a:bodyPr/>
@@ -30363,7 +30363,7 @@
                   </a:ext>
                 </a:extLst>
               </a:tr>
-              <a:tr h="322522">
+              <a:tr h="303636">
                 <a:tc>
                   <a:txBody>
                     <a:bodyPr/>
@@ -30451,7 +30451,7 @@
                   </a:ext>
                 </a:extLst>
               </a:tr>
-              <a:tr h="369954">
+              <a:tr h="348291">
                 <a:tc>
                   <a:txBody>
                     <a:bodyPr/>
@@ -32318,7 +32318,7 @@
         </p:nvSpPr>
         <p:spPr>
           <a:xfrm>
-            <a:off x="261122" y="1904711"/>
+            <a:off x="261122" y="1363691"/>
             <a:ext cx="4446600" cy="2040300"/>
           </a:xfrm>
           <a:prstGeom prst="rect">
@@ -32330,6 +32330,35 @@
             <a:noAutofit/>
           </a:bodyPr>
           <a:lstStyle/>
+          <a:p>
+            <a:pPr marL="0" lvl="0" indent="0" algn="l" rtl="0">
+              <a:spcBef>
+                <a:spcPts val="300"/>
+              </a:spcBef>
+              <a:spcAft>
+                <a:spcPts val="0"/>
+              </a:spcAft>
+            </a:pPr>
+            <a:r>
+              <a:rPr lang="en-US" sz="1800" dirty="0">
+                <a:latin typeface="Barlow Condensed"/>
+              </a:rPr>
+              <a:t>* The clusters on Databricks Community Edition reset after 2 hours of inactivity.</a:t>
+            </a:r>
+          </a:p>
+          <a:p>
+            <a:pPr marL="0" lvl="0" indent="0" algn="l" rtl="0">
+              <a:spcBef>
+                <a:spcPts val="300"/>
+              </a:spcBef>
+              <a:spcAft>
+                <a:spcPts val="0"/>
+              </a:spcAft>
+            </a:pPr>
+            <a:endParaRPr lang="en-US" sz="1800" dirty="0">
+              <a:latin typeface="Barlow Condensed"/>
+            </a:endParaRPr>
+          </a:p>
           <a:p>
             <a:pPr marL="0" lvl="0" indent="0" algn="l" rtl="0">
               <a:spcBef>
@@ -32820,7 +32849,7 @@
               <a:rPr lang="en-US" sz="1800" dirty="0">
                 <a:latin typeface="Barlow Condensed"/>
               </a:rPr>
-              <a:t>* Sales predictions are helpful but other models using special dimensions of warehouse, and budget constraints could help make more applicable predictions.</a:t>
+              <a:t>* Sales predictions are helpful but additional models incorporating special dimensions of warehouse, and budget constraints could help make more applicable predictions.</a:t>
             </a:r>
           </a:p>
           <a:p>
@@ -32843,7 +32872,7 @@
               <a:rPr lang="en-US" sz="1800" dirty="0">
                 <a:latin typeface="Barlow Condensed"/>
               </a:rPr>
-              <a:t>* Margin Error increases for longer time periods. This makes it more appropriate for Just-In-Time distributor.</a:t>
+              <a:t>* Margin Error increases for longer time periods. This makes it more appropriate for Just-In-Time distributors.</a:t>
             </a:r>
           </a:p>
           <a:p>
@@ -33650,7 +33679,7 @@
         </p:nvSpPr>
         <p:spPr>
           <a:xfrm>
-            <a:off x="640080" y="2792086"/>
+            <a:off x="640080" y="2273926"/>
             <a:ext cx="4814130" cy="1567500"/>
           </a:xfrm>
           <a:prstGeom prst="rect">
